--- a/LINEBOT簡單回應.pptx
+++ b/LINEBOT簡單回應.pptx
@@ -6078,7 +6078,7 @@
         <p:spPr>
           <a:xfrm>
             <a:off x="1524000" y="1122363"/>
-            <a:ext cx="9144000" cy="2133599"/>
+            <a:ext cx="9144000" cy="1549717"/>
           </a:xfrm>
         </p:spPr>
         <p:txBody>
@@ -6113,31 +6113,42 @@
           </a:p>
         </p:txBody>
       </p:sp>
-      <p:sp>
-        <p:nvSpPr>
-          <p:cNvPr id="3" name="副標題 2">
+      <p:pic>
+        <p:nvPicPr>
+          <p:cNvPr id="5" name="圖片 4">
             <a:extLst>
               <a:ext uri="{FF2B5EF4-FFF2-40B4-BE49-F238E27FC236}">
-                <a16:creationId xmlns:a16="http://schemas.microsoft.com/office/drawing/2014/main" id="{AB7BBDFA-D48E-49B6-A933-BD79B322B172}"/>
+                <a16:creationId xmlns:a16="http://schemas.microsoft.com/office/drawing/2014/main" id="{FC8EBDD3-8E94-43CB-A980-0384978950B8}"/>
               </a:ext>
             </a:extLst>
           </p:cNvPr>
-          <p:cNvSpPr>
-            <a:spLocks noGrp="1"/>
-          </p:cNvSpPr>
-          <p:nvPr>
-            <p:ph type="subTitle" idx="1"/>
-          </p:nvPr>
-        </p:nvSpPr>
-        <p:spPr/>
-        <p:txBody>
-          <a:bodyPr/>
-          <a:lstStyle/>
-          <a:p>
-            <a:endParaRPr lang="zh-TW" altLang="en-US"/>
-          </a:p>
-        </p:txBody>
-      </p:sp>
+          <p:cNvPicPr>
+            <a:picLocks noChangeAspect="1"/>
+          </p:cNvPicPr>
+          <p:nvPr/>
+        </p:nvPicPr>
+        <p:blipFill>
+          <a:blip r:embed="rId2">
+            <a:extLst>
+              <a:ext uri="{28A0092B-C50C-407E-A947-70E740481C1C}">
+                <a14:useLocalDpi xmlns:a14="http://schemas.microsoft.com/office/drawing/2010/main" val="0"/>
+              </a:ext>
+            </a:extLst>
+          </a:blip>
+          <a:stretch>
+            <a:fillRect/>
+          </a:stretch>
+        </p:blipFill>
+        <p:spPr>
+          <a:xfrm>
+            <a:off x="4725829" y="2672080"/>
+            <a:ext cx="2740342" cy="2740342"/>
+          </a:xfrm>
+          <a:prstGeom prst="rect">
+            <a:avLst/>
+          </a:prstGeom>
+        </p:spPr>
+      </p:pic>
     </p:spTree>
     <p:extLst>
       <p:ext uri="{BB962C8B-B14F-4D97-AF65-F5344CB8AC3E}">
